--- a/Web Scraping Using R (Tidyverse Approach).pptx
+++ b/Web Scraping Using R (Tidyverse Approach).pptx
@@ -523,7 +523,7 @@
           <a:p>
             <a:fld id="{3EA7AE15-67A5-4AA1-A796-6E160FBB311E}" type="datetimeFigureOut">
               <a:rPr lang="en-US" smtClean="0"/>
-              <a:t>4/6/2019</a:t>
+              <a:t>4/7/2019</a:t>
             </a:fld>
             <a:endParaRPr lang="en-US"/>
           </a:p>
@@ -731,7 +731,7 @@
           <a:p>
             <a:fld id="{3EA7AE15-67A5-4AA1-A796-6E160FBB311E}" type="datetimeFigureOut">
               <a:rPr lang="en-US" smtClean="0"/>
-              <a:t>4/6/2019</a:t>
+              <a:t>4/7/2019</a:t>
             </a:fld>
             <a:endParaRPr lang="en-US"/>
           </a:p>
@@ -934,7 +934,7 @@
           <a:p>
             <a:fld id="{3EA7AE15-67A5-4AA1-A796-6E160FBB311E}" type="datetimeFigureOut">
               <a:rPr lang="en-US" smtClean="0"/>
-              <a:t>4/6/2019</a:t>
+              <a:t>4/7/2019</a:t>
             </a:fld>
             <a:endParaRPr lang="en-US"/>
           </a:p>
@@ -1568,7 +1568,7 @@
           <a:p>
             <a:fld id="{3EA7AE15-67A5-4AA1-A796-6E160FBB311E}" type="datetimeFigureOut">
               <a:rPr lang="en-US" smtClean="0"/>
-              <a:t>4/6/2019</a:t>
+              <a:t>4/7/2019</a:t>
             </a:fld>
             <a:endParaRPr lang="en-US"/>
           </a:p>
@@ -1980,7 +1980,7 @@
           <a:p>
             <a:fld id="{3EA7AE15-67A5-4AA1-A796-6E160FBB311E}" type="datetimeFigureOut">
               <a:rPr lang="en-US" smtClean="0"/>
-              <a:t>4/6/2019</a:t>
+              <a:t>4/7/2019</a:t>
             </a:fld>
             <a:endParaRPr lang="en-US"/>
           </a:p>
@@ -2173,7 +2173,7 @@
           <a:p>
             <a:fld id="{3EA7AE15-67A5-4AA1-A796-6E160FBB311E}" type="datetimeFigureOut">
               <a:rPr lang="en-US" smtClean="0"/>
-              <a:t>4/6/2019</a:t>
+              <a:t>4/7/2019</a:t>
             </a:fld>
             <a:endParaRPr lang="en-US"/>
           </a:p>
@@ -2286,7 +2286,7 @@
           <a:p>
             <a:fld id="{3EA7AE15-67A5-4AA1-A796-6E160FBB311E}" type="datetimeFigureOut">
               <a:rPr lang="en-US" smtClean="0"/>
-              <a:t>4/6/2019</a:t>
+              <a:t>4/7/2019</a:t>
             </a:fld>
             <a:endParaRPr lang="en-US"/>
           </a:p>
@@ -2597,7 +2597,7 @@
           <a:p>
             <a:fld id="{3EA7AE15-67A5-4AA1-A796-6E160FBB311E}" type="datetimeFigureOut">
               <a:rPr lang="en-US" smtClean="0"/>
-              <a:t>4/6/2019</a:t>
+              <a:t>4/7/2019</a:t>
             </a:fld>
             <a:endParaRPr lang="en-US"/>
           </a:p>
@@ -2885,7 +2885,7 @@
           <a:p>
             <a:fld id="{3EA7AE15-67A5-4AA1-A796-6E160FBB311E}" type="datetimeFigureOut">
               <a:rPr lang="en-US" smtClean="0"/>
-              <a:t>4/6/2019</a:t>
+              <a:t>4/7/2019</a:t>
             </a:fld>
             <a:endParaRPr lang="en-US"/>
           </a:p>
@@ -3129,7 +3129,7 @@
           <a:p>
             <a:fld id="{3EA7AE15-67A5-4AA1-A796-6E160FBB311E}" type="datetimeFigureOut">
               <a:rPr lang="en-US" smtClean="0"/>
-              <a:t>4/6/2019</a:t>
+              <a:t>4/7/2019</a:t>
             </a:fld>
             <a:endParaRPr lang="en-US"/>
           </a:p>
@@ -3857,7 +3857,7 @@
                   </a:schemeClr>
                 </a:solidFill>
               </a:rPr>
-              <a:t> {.</a:t>
+              <a:t> {.#</a:t>
             </a:r>
             <a:r>
               <a:rPr lang="en-US" sz="6000" b="1" dirty="0">
@@ -8272,19 +8272,6 @@
           <a:lstStyle/>
           <a:p>
             <a:pPr algn="ctr"/>
-            <a:r>
-              <a:rPr lang="en-US" sz="8800" b="1" dirty="0">
-                <a:latin typeface="Arial" panose="020B0604020202020204" pitchFamily="34" charset="0"/>
-                <a:cs typeface="Arial" panose="020B0604020202020204" pitchFamily="34" charset="0"/>
-              </a:rPr>
-              <a:t>Workshop</a:t>
-            </a:r>
-            <a:br>
-              <a:rPr lang="en-US" sz="8800" b="1" dirty="0">
-                <a:latin typeface="Arial" panose="020B0604020202020204" pitchFamily="34" charset="0"/>
-                <a:cs typeface="Arial" panose="020B0604020202020204" pitchFamily="34" charset="0"/>
-              </a:rPr>
-            </a:br>
             <a:r>
               <a:rPr lang="en-US" sz="8800" b="1" dirty="0">
                 <a:solidFill>
@@ -10213,7 +10200,7 @@
         </p:blipFill>
         <p:spPr bwMode="auto">
           <a:xfrm>
-            <a:off x="838200" y="2005350"/>
+            <a:off x="838200" y="3889564"/>
             <a:ext cx="2286000" cy="2647950"/>
           </a:xfrm>
           <a:prstGeom prst="rect">
@@ -10245,7 +10232,7 @@
         </p:nvSpPr>
         <p:spPr>
           <a:xfrm>
-            <a:off x="3538344" y="2205246"/>
+            <a:off x="3455217" y="4352700"/>
             <a:ext cx="7644465" cy="1815882"/>
           </a:xfrm>
           <a:prstGeom prst="rect">
@@ -10355,7 +10342,7 @@
         </p:blipFill>
         <p:spPr bwMode="auto">
           <a:xfrm>
-            <a:off x="1981200" y="4030806"/>
+            <a:off x="1995055" y="1897207"/>
             <a:ext cx="2286000" cy="2647950"/>
           </a:xfrm>
           <a:prstGeom prst="rect">
@@ -10387,7 +10374,7 @@
         </p:nvSpPr>
         <p:spPr>
           <a:xfrm>
-            <a:off x="4585854" y="4271159"/>
+            <a:off x="4585854" y="2165270"/>
             <a:ext cx="6767946" cy="1754326"/>
           </a:xfrm>
           <a:prstGeom prst="rect">
@@ -10408,7 +10395,7 @@
                 </a:solidFill>
                 <a:latin typeface="-apple-system"/>
               </a:rPr>
-              <a:t>Powerful pipeline in R</a:t>
+              <a:t>Pipeline in R</a:t>
             </a:r>
             <a:r>
               <a:rPr lang="en-US" dirty="0">
@@ -10633,7 +10620,7 @@
         <p:spPr>
           <a:xfrm>
             <a:off x="3241957" y="1967295"/>
-            <a:ext cx="8111843" cy="3416320"/>
+            <a:ext cx="8111843" cy="3477875"/>
           </a:xfrm>
           <a:prstGeom prst="rect">
             <a:avLst/>
@@ -10659,11 +10646,20 @@
             <a:r>
               <a:rPr lang="en-US" dirty="0">
                 <a:solidFill>
+                  <a:srgbClr val="0070C0"/>
+                </a:solidFill>
+                <a:latin typeface="arial" panose="020B0604020202020204" pitchFamily="34" charset="0"/>
+              </a:rPr>
+              <a:t>filter(select(</a:t>
+            </a:r>
+            <a:r>
+              <a:rPr lang="en-US" dirty="0">
+                <a:solidFill>
                   <a:srgbClr val="222222"/>
                 </a:solidFill>
                 <a:latin typeface="arial" panose="020B0604020202020204" pitchFamily="34" charset="0"/>
               </a:rPr>
-              <a:t>filter(select(iris, </a:t>
+              <a:t>iris, </a:t>
             </a:r>
             <a:r>
               <a:rPr lang="en-US" dirty="0" err="1">
@@ -10699,7 +10695,16 @@
                 </a:solidFill>
                 <a:latin typeface="arial" panose="020B0604020202020204" pitchFamily="34" charset="0"/>
               </a:rPr>
-              <a:t>, Species)</a:t>
+              <a:t>, Species</a:t>
+            </a:r>
+            <a:r>
+              <a:rPr lang="en-US" dirty="0">
+                <a:solidFill>
+                  <a:srgbClr val="0070C0"/>
+                </a:solidFill>
+                <a:latin typeface="arial" panose="020B0604020202020204" pitchFamily="34" charset="0"/>
+              </a:rPr>
+              <a:t>)</a:t>
             </a:r>
             <a:r>
               <a:rPr lang="en-US" b="1" dirty="0">
@@ -10717,7 +10722,25 @@
                 </a:solidFill>
                 <a:latin typeface="arial" panose="020B0604020202020204" pitchFamily="34" charset="0"/>
               </a:rPr>
-              <a:t>Species == "virginica")</a:t>
+              <a:t>Species == </a:t>
+            </a:r>
+            <a:r>
+              <a:rPr lang="en-US" dirty="0">
+                <a:solidFill>
+                  <a:srgbClr val="00B050"/>
+                </a:solidFill>
+                <a:latin typeface="arial" panose="020B0604020202020204" pitchFamily="34" charset="0"/>
+              </a:rPr>
+              <a:t>"virginica"</a:t>
+            </a:r>
+            <a:r>
+              <a:rPr lang="en-US" dirty="0">
+                <a:solidFill>
+                  <a:srgbClr val="0070C0"/>
+                </a:solidFill>
+                <a:latin typeface="arial" panose="020B0604020202020204" pitchFamily="34" charset="0"/>
+              </a:rPr>
+              <a:t>)</a:t>
             </a:r>
           </a:p>
           <a:p>
@@ -10750,13 +10773,21 @@
               <a:t>Iris </a:t>
             </a:r>
             <a:r>
+              <a:rPr lang="en-US" sz="2000" b="1" dirty="0">
+                <a:solidFill>
+                  <a:schemeClr val="accent2"/>
+                </a:solidFill>
+              </a:rPr>
+              <a:t>%&gt;%</a:t>
+            </a:r>
+            <a:r>
               <a:rPr lang="en-US" b="1" dirty="0">
                 <a:solidFill>
                   <a:srgbClr val="222222"/>
                 </a:solidFill>
                 <a:latin typeface="arial" panose="020B0604020202020204" pitchFamily="34" charset="0"/>
               </a:rPr>
-              <a:t>%&gt;% </a:t>
+              <a:t> </a:t>
             </a:r>
           </a:p>
           <a:p>
@@ -10764,11 +10795,29 @@
             <a:r>
               <a:rPr lang="en-US" dirty="0">
                 <a:solidFill>
+                  <a:srgbClr val="0070C0"/>
+                </a:solidFill>
+                <a:latin typeface="arial" panose="020B0604020202020204" pitchFamily="34" charset="0"/>
+              </a:rPr>
+              <a:t>select(</a:t>
+            </a:r>
+            <a:r>
+              <a:rPr lang="en-US" dirty="0" err="1">
+                <a:solidFill>
                   <a:srgbClr val="222222"/>
                 </a:solidFill>
                 <a:latin typeface="arial" panose="020B0604020202020204" pitchFamily="34" charset="0"/>
               </a:rPr>
-              <a:t>select(</a:t>
+              <a:t>Sepal.Length</a:t>
+            </a:r>
+            <a:r>
+              <a:rPr lang="en-US" dirty="0">
+                <a:solidFill>
+                  <a:srgbClr val="222222"/>
+                </a:solidFill>
+                <a:latin typeface="arial" panose="020B0604020202020204" pitchFamily="34" charset="0"/>
+              </a:rPr>
+              <a:t>, </a:t>
             </a:r>
             <a:r>
               <a:rPr lang="en-US" dirty="0" err="1">
@@ -10777,7 +10826,7 @@
                 </a:solidFill>
                 <a:latin typeface="arial" panose="020B0604020202020204" pitchFamily="34" charset="0"/>
               </a:rPr>
-              <a:t>Sepal.Length</a:t>
+              <a:t>Sepal.Width</a:t>
             </a:r>
             <a:r>
               <a:rPr lang="en-US" dirty="0">
@@ -10786,55 +10835,78 @@
                 </a:solidFill>
                 <a:latin typeface="arial" panose="020B0604020202020204" pitchFamily="34" charset="0"/>
               </a:rPr>
-              <a:t>, </a:t>
-            </a:r>
-            <a:r>
-              <a:rPr lang="en-US" dirty="0" err="1">
+              <a:t>, Species</a:t>
+            </a:r>
+            <a:r>
+              <a:rPr lang="en-US" dirty="0">
+                <a:solidFill>
+                  <a:srgbClr val="0070C0"/>
+                </a:solidFill>
+                <a:latin typeface="arial" panose="020B0604020202020204" pitchFamily="34" charset="0"/>
+              </a:rPr>
+              <a:t>)</a:t>
+            </a:r>
+            <a:r>
+              <a:rPr lang="en-US" dirty="0">
                 <a:solidFill>
                   <a:srgbClr val="222222"/>
                 </a:solidFill>
                 <a:latin typeface="arial" panose="020B0604020202020204" pitchFamily="34" charset="0"/>
               </a:rPr>
-              <a:t>Sepal.Width</a:t>
-            </a:r>
+              <a:t> </a:t>
+            </a:r>
+            <a:r>
+              <a:rPr lang="en-US" sz="2000" b="1" dirty="0">
+                <a:solidFill>
+                  <a:schemeClr val="accent2"/>
+                </a:solidFill>
+              </a:rPr>
+              <a:t>%&gt;%</a:t>
+            </a:r>
+            <a:endParaRPr lang="en-US" dirty="0">
+              <a:solidFill>
+                <a:srgbClr val="222222"/>
+              </a:solidFill>
+              <a:latin typeface="arial" panose="020B0604020202020204" pitchFamily="34" charset="0"/>
+            </a:endParaRPr>
+          </a:p>
+          <a:p>
+            <a:pPr indent="346075"/>
             <a:r>
               <a:rPr lang="en-US" dirty="0">
                 <a:solidFill>
+                  <a:srgbClr val="0070C0"/>
+                </a:solidFill>
+                <a:latin typeface="arial" panose="020B0604020202020204" pitchFamily="34" charset="0"/>
+              </a:rPr>
+              <a:t>filter(</a:t>
+            </a:r>
+            <a:r>
+              <a:rPr lang="en-US" dirty="0">
+                <a:solidFill>
                   <a:srgbClr val="222222"/>
                 </a:solidFill>
                 <a:latin typeface="arial" panose="020B0604020202020204" pitchFamily="34" charset="0"/>
               </a:rPr>
-              <a:t>, Species) </a:t>
-            </a:r>
-            <a:r>
-              <a:rPr lang="en-US" b="1" dirty="0">
-                <a:solidFill>
-                  <a:srgbClr val="222222"/>
+              <a:t>Species == </a:t>
+            </a:r>
+            <a:r>
+              <a:rPr lang="en-US" dirty="0">
+                <a:solidFill>
+                  <a:srgbClr val="00B050"/>
                 </a:solidFill>
                 <a:latin typeface="arial" panose="020B0604020202020204" pitchFamily="34" charset="0"/>
               </a:rPr>
-              <a:t>%&gt;%</a:t>
+              <a:t>"virginica"</a:t>
             </a:r>
             <a:r>
               <a:rPr lang="en-US" dirty="0">
                 <a:solidFill>
-                  <a:srgbClr val="222222"/>
+                  <a:srgbClr val="0070C0"/>
                 </a:solidFill>
                 <a:latin typeface="arial" panose="020B0604020202020204" pitchFamily="34" charset="0"/>
               </a:rPr>
-              <a:t> </a:t>
-            </a:r>
-          </a:p>
-          <a:p>
-            <a:pPr indent="346075"/>
-            <a:r>
-              <a:rPr lang="en-US" dirty="0">
-                <a:solidFill>
-                  <a:srgbClr val="222222"/>
-                </a:solidFill>
-                <a:latin typeface="arial" panose="020B0604020202020204" pitchFamily="34" charset="0"/>
-              </a:rPr>
-              <a:t>filter(Species == "virginica")</a:t>
+              <a:t>)</a:t>
             </a:r>
           </a:p>
           <a:p>
@@ -10893,89 +10965,107 @@
             <a:r>
               <a:rPr lang="en-US" b="1" dirty="0">
                 <a:solidFill>
+                  <a:schemeClr val="accent2"/>
+                </a:solidFill>
+                <a:latin typeface="arial" panose="020B0604020202020204" pitchFamily="34" charset="0"/>
+              </a:rPr>
+              <a:t>THEN</a:t>
+            </a:r>
+            <a:r>
+              <a:rPr lang="en-US" dirty="0">
+                <a:solidFill>
                   <a:srgbClr val="222222"/>
                 </a:solidFill>
                 <a:latin typeface="arial" panose="020B0604020202020204" pitchFamily="34" charset="0"/>
               </a:rPr>
-              <a:t>THEN</a:t>
-            </a:r>
+              <a:t> </a:t>
+            </a:r>
+          </a:p>
+          <a:p>
+            <a:pPr indent="346075"/>
             <a:r>
               <a:rPr lang="en-US" dirty="0">
                 <a:solidFill>
+                  <a:srgbClr val="0070C0"/>
+                </a:solidFill>
+                <a:latin typeface="arial" panose="020B0604020202020204" pitchFamily="34" charset="0"/>
+              </a:rPr>
+              <a:t>select</a:t>
+            </a:r>
+            <a:r>
+              <a:rPr lang="en-US" dirty="0">
+                <a:solidFill>
                   <a:srgbClr val="222222"/>
                 </a:solidFill>
                 <a:latin typeface="arial" panose="020B0604020202020204" pitchFamily="34" charset="0"/>
               </a:rPr>
               <a:t> </a:t>
             </a:r>
+            <a:r>
+              <a:rPr lang="en-US" dirty="0" err="1">
+                <a:solidFill>
+                  <a:srgbClr val="222222"/>
+                </a:solidFill>
+                <a:latin typeface="arial" panose="020B0604020202020204" pitchFamily="34" charset="0"/>
+              </a:rPr>
+              <a:t>Sepal.Length</a:t>
+            </a:r>
+            <a:r>
+              <a:rPr lang="en-US" dirty="0">
+                <a:solidFill>
+                  <a:srgbClr val="222222"/>
+                </a:solidFill>
+                <a:latin typeface="arial" panose="020B0604020202020204" pitchFamily="34" charset="0"/>
+              </a:rPr>
+              <a:t>, </a:t>
+            </a:r>
+            <a:r>
+              <a:rPr lang="en-US" dirty="0" err="1">
+                <a:solidFill>
+                  <a:srgbClr val="222222"/>
+                </a:solidFill>
+                <a:latin typeface="arial" panose="020B0604020202020204" pitchFamily="34" charset="0"/>
+              </a:rPr>
+              <a:t>Sepal.Width</a:t>
+            </a:r>
+            <a:r>
+              <a:rPr lang="en-US" dirty="0">
+                <a:solidFill>
+                  <a:srgbClr val="222222"/>
+                </a:solidFill>
+                <a:latin typeface="arial" panose="020B0604020202020204" pitchFamily="34" charset="0"/>
+              </a:rPr>
+              <a:t> and Species column only </a:t>
+            </a:r>
+            <a:r>
+              <a:rPr lang="en-US" b="1" dirty="0">
+                <a:solidFill>
+                  <a:schemeClr val="accent2"/>
+                </a:solidFill>
+                <a:latin typeface="arial" panose="020B0604020202020204" pitchFamily="34" charset="0"/>
+              </a:rPr>
+              <a:t>THEN </a:t>
+            </a:r>
           </a:p>
           <a:p>
             <a:pPr indent="346075"/>
             <a:r>
               <a:rPr lang="en-US" dirty="0">
                 <a:solidFill>
+                  <a:srgbClr val="0070C0"/>
+                </a:solidFill>
+                <a:latin typeface="arial" panose="020B0604020202020204" pitchFamily="34" charset="0"/>
+              </a:rPr>
+              <a:t>filter</a:t>
+            </a:r>
+            <a:r>
+              <a:rPr lang="en-US" dirty="0">
+                <a:solidFill>
                   <a:srgbClr val="222222"/>
                 </a:solidFill>
                 <a:latin typeface="arial" panose="020B0604020202020204" pitchFamily="34" charset="0"/>
               </a:rPr>
-              <a:t>select </a:t>
-            </a:r>
-            <a:r>
-              <a:rPr lang="en-US" dirty="0" err="1">
-                <a:solidFill>
-                  <a:srgbClr val="222222"/>
-                </a:solidFill>
-                <a:latin typeface="arial" panose="020B0604020202020204" pitchFamily="34" charset="0"/>
-              </a:rPr>
-              <a:t>Sepal.Length</a:t>
-            </a:r>
-            <a:r>
-              <a:rPr lang="en-US" dirty="0">
-                <a:solidFill>
-                  <a:srgbClr val="222222"/>
-                </a:solidFill>
-                <a:latin typeface="arial" panose="020B0604020202020204" pitchFamily="34" charset="0"/>
-              </a:rPr>
-              <a:t>, </a:t>
-            </a:r>
-            <a:r>
-              <a:rPr lang="en-US" dirty="0" err="1">
-                <a:solidFill>
-                  <a:srgbClr val="222222"/>
-                </a:solidFill>
-                <a:latin typeface="arial" panose="020B0604020202020204" pitchFamily="34" charset="0"/>
-              </a:rPr>
-              <a:t>Sepal.Width</a:t>
-            </a:r>
-            <a:r>
-              <a:rPr lang="en-US" dirty="0">
-                <a:solidFill>
-                  <a:srgbClr val="222222"/>
-                </a:solidFill>
-                <a:latin typeface="arial" panose="020B0604020202020204" pitchFamily="34" charset="0"/>
-              </a:rPr>
-              <a:t> and Species column only </a:t>
-            </a:r>
-            <a:r>
-              <a:rPr lang="en-US" b="1" dirty="0">
-                <a:solidFill>
-                  <a:srgbClr val="222222"/>
-                </a:solidFill>
-                <a:latin typeface="arial" panose="020B0604020202020204" pitchFamily="34" charset="0"/>
-              </a:rPr>
-              <a:t>THEN </a:t>
-            </a:r>
-          </a:p>
-          <a:p>
-            <a:pPr indent="346075"/>
-            <a:r>
-              <a:rPr lang="en-US" dirty="0">
-                <a:solidFill>
-                  <a:srgbClr val="222222"/>
-                </a:solidFill>
-                <a:latin typeface="arial" panose="020B0604020202020204" pitchFamily="34" charset="0"/>
-              </a:rPr>
-              <a:t>filter which Species is virginica</a:t>
+              <a:t> which Species is virginica</a:t>
             </a:r>
             <a:r>
               <a:rPr lang="en-US" b="1" dirty="0">
